--- a/LSTM報告.pptx
+++ b/LSTM報告.pptx
@@ -346,7 +346,7 @@
           <a:p>
             <a:fld id="{4BDF68E2-58F2-4D09-BE8B-E3BD06533059}" type="datetimeFigureOut">
               <a:rPr lang="en-US" dirty="0"/>
-              <a:t>1/8/2020</a:t>
+              <a:t>3/18/2020</a:t>
             </a:fld>
             <a:endParaRPr lang="en-US" dirty="0"/>
           </a:p>
@@ -549,7 +549,7 @@
           <a:p>
             <a:fld id="{2E2D6473-DF6D-4702-B328-E0DD40540A4E}" type="datetimeFigureOut">
               <a:rPr lang="en-US" dirty="0"/>
-              <a:t>1/8/2020</a:t>
+              <a:t>3/18/2020</a:t>
             </a:fld>
             <a:endParaRPr lang="en-US" dirty="0"/>
           </a:p>
@@ -800,7 +800,7 @@
           <a:p>
             <a:fld id="{E26F7E3A-B166-407D-9866-32884E7D5B37}" type="datetimeFigureOut">
               <a:rPr lang="en-US" dirty="0"/>
-              <a:t>1/8/2020</a:t>
+              <a:t>3/18/2020</a:t>
             </a:fld>
             <a:endParaRPr lang="en-US" dirty="0"/>
           </a:p>
@@ -969,7 +969,7 @@
           <a:p>
             <a:fld id="{528FC5F6-F338-4AE4-BB23-26385BCFC423}" type="datetimeFigureOut">
               <a:rPr lang="en-US" dirty="0"/>
-              <a:t>1/8/2020</a:t>
+              <a:t>3/18/2020</a:t>
             </a:fld>
             <a:endParaRPr lang="en-US" dirty="0"/>
           </a:p>
@@ -1307,7 +1307,7 @@
           <a:p>
             <a:fld id="{20EBB0C4-6273-4C6E-B9BD-2EDC30F1CD52}" type="datetimeFigureOut">
               <a:rPr lang="en-US" dirty="0"/>
-              <a:t>1/8/2020</a:t>
+              <a:t>3/18/2020</a:t>
             </a:fld>
             <a:endParaRPr lang="en-US" dirty="0"/>
           </a:p>
@@ -1577,7 +1577,7 @@
           <a:p>
             <a:fld id="{19AB4D41-86C1-4908-B66A-0B50CEB3BF29}" type="datetimeFigureOut">
               <a:rPr lang="en-US" dirty="0"/>
-              <a:t>1/8/2020</a:t>
+              <a:t>3/18/2020</a:t>
             </a:fld>
             <a:endParaRPr lang="en-US" dirty="0"/>
           </a:p>
@@ -1951,7 +1951,7 @@
           <a:p>
             <a:fld id="{E6426E2C-56C1-4E0D-A793-0088A7FDD37E}" type="datetimeFigureOut">
               <a:rPr lang="en-US" dirty="0"/>
-              <a:t>1/8/2020</a:t>
+              <a:t>3/18/2020</a:t>
             </a:fld>
             <a:endParaRPr lang="en-US" dirty="0"/>
           </a:p>
@@ -2064,7 +2064,7 @@
           <a:p>
             <a:fld id="{C8C39B41-D8B5-4052-B551-9B5525EAA8B6}" type="datetimeFigureOut">
               <a:rPr lang="en-US" dirty="0"/>
-              <a:t>1/8/2020</a:t>
+              <a:t>3/18/2020</a:t>
             </a:fld>
             <a:endParaRPr lang="en-US" dirty="0"/>
           </a:p>
@@ -2230,7 +2230,7 @@
           <a:p>
             <a:fld id="{4D94136C-8742-45B2-AF27-D93DF72833A9}" type="datetimeFigureOut">
               <a:rPr lang="en-US" dirty="0"/>
-              <a:t>1/8/2020</a:t>
+              <a:t>3/18/2020</a:t>
             </a:fld>
             <a:endParaRPr lang="en-US" dirty="0"/>
           </a:p>
@@ -2580,7 +2580,7 @@
           <a:p>
             <a:fld id="{32ABBEA6-7C60-4B02-AE87-00D78D8422AF}" type="datetimeFigureOut">
               <a:rPr lang="en-US" dirty="0"/>
-              <a:t>1/8/2020</a:t>
+              <a:t>3/18/2020</a:t>
             </a:fld>
             <a:endParaRPr lang="en-US" dirty="0"/>
           </a:p>
@@ -2958,7 +2958,7 @@
           <a:p>
             <a:fld id="{C9CAD897-D46E-4AD2-BD9B-49DD3E640873}" type="datetimeFigureOut">
               <a:rPr lang="en-US" dirty="0"/>
-              <a:t>1/8/2020</a:t>
+              <a:t>3/18/2020</a:t>
             </a:fld>
             <a:endParaRPr lang="en-US" dirty="0"/>
           </a:p>
@@ -3240,7 +3240,7 @@
           <a:p>
             <a:fld id="{98624D31-43A5-475A-80CF-332C9F6DCF35}" type="datetimeFigureOut">
               <a:rPr lang="en-US" dirty="0"/>
-              <a:t>1/8/2020</a:t>
+              <a:t>3/18/2020</a:t>
             </a:fld>
             <a:endParaRPr lang="en-US" dirty="0"/>
           </a:p>
@@ -3787,14 +3787,6 @@
           <a:bodyPr/>
           <a:lstStyle/>
           <a:p>
-            <a:r>
-              <a:rPr lang="zh-TW" altLang="en-US" dirty="0"/>
-              <a:t>第一組</a:t>
-            </a:r>
-            <a:r>
-              <a:rPr lang="en-US" altLang="zh-TW" dirty="0"/>
-              <a:t>:</a:t>
-            </a:r>
             <a:br>
               <a:rPr lang="en-US" altLang="zh-TW" dirty="0"/>
             </a:br>
@@ -3840,7 +3832,7 @@
           <a:p>
             <a:r>
               <a:rPr lang="zh-TW" altLang="en-US" dirty="0"/>
-              <a:t>組員</a:t>
+              <a:t>報告人</a:t>
             </a:r>
             <a:r>
               <a:rPr lang="en-US" altLang="zh-TW" dirty="0"/>
@@ -3848,7 +3840,7 @@
             </a:r>
             <a:r>
               <a:rPr lang="zh-TW" altLang="en-US" dirty="0"/>
-              <a:t>游家權、黃佳晨、范姜鈞</a:t>
+              <a:t>范姜鈞</a:t>
             </a:r>
           </a:p>
         </p:txBody>
@@ -3947,10 +3939,10 @@
       </p:sp>
       <p:pic>
         <p:nvPicPr>
-          <p:cNvPr id="9" name="圖片 8">
+          <p:cNvPr id="3" name="圖片 2">
             <a:extLst>
               <a:ext uri="{FF2B5EF4-FFF2-40B4-BE49-F238E27FC236}">
-                <a16:creationId xmlns:a16="http://schemas.microsoft.com/office/drawing/2014/main" id="{DE1DBC11-6927-43AE-A446-9AF6E738345A}"/>
+                <a16:creationId xmlns:a16="http://schemas.microsoft.com/office/drawing/2014/main" id="{F759FB44-9D01-4DB2-8ED4-BD65C16F426D}"/>
               </a:ext>
             </a:extLst>
           </p:cNvPr>
@@ -3967,8 +3959,8 @@
         </p:blipFill>
         <p:spPr>
           <a:xfrm>
-            <a:off x="1097280" y="1845733"/>
-            <a:ext cx="9676344" cy="3622559"/>
+            <a:off x="1097279" y="1845734"/>
+            <a:ext cx="10057267" cy="3601589"/>
           </a:xfrm>
           <a:prstGeom prst="rect">
             <a:avLst/>
@@ -4061,21 +4053,44 @@
           </a:p>
         </p:txBody>
       </p:sp>
+      <p:sp>
+        <p:nvSpPr>
+          <p:cNvPr id="5" name="內容版面配置區 4">
+            <a:extLst>
+              <a:ext uri="{FF2B5EF4-FFF2-40B4-BE49-F238E27FC236}">
+                <a16:creationId xmlns:a16="http://schemas.microsoft.com/office/drawing/2014/main" id="{61745B68-77B5-4589-A293-49D9A7BC238B}"/>
+              </a:ext>
+            </a:extLst>
+          </p:cNvPr>
+          <p:cNvSpPr>
+            <a:spLocks noGrp="1"/>
+          </p:cNvSpPr>
+          <p:nvPr>
+            <p:ph idx="1"/>
+          </p:nvPr>
+        </p:nvSpPr>
+        <p:spPr/>
+        <p:txBody>
+          <a:bodyPr/>
+          <a:lstStyle/>
+          <a:p>
+            <a:endParaRPr lang="zh-TW" altLang="en-US"/>
+          </a:p>
+        </p:txBody>
+      </p:sp>
       <p:pic>
         <p:nvPicPr>
-          <p:cNvPr id="4" name="內容版面配置區 3">
+          <p:cNvPr id="6" name="圖片 5">
             <a:extLst>
               <a:ext uri="{FF2B5EF4-FFF2-40B4-BE49-F238E27FC236}">
-                <a16:creationId xmlns:a16="http://schemas.microsoft.com/office/drawing/2014/main" id="{05D0D249-6E68-4896-8063-90DBF577C2C3}"/>
+                <a16:creationId xmlns:a16="http://schemas.microsoft.com/office/drawing/2014/main" id="{1F48C628-1917-4062-95D3-A44C6C561EC7}"/>
               </a:ext>
             </a:extLst>
           </p:cNvPr>
           <p:cNvPicPr>
-            <a:picLocks noGrp="1" noChangeAspect="1"/>
+            <a:picLocks noChangeAspect="1"/>
           </p:cNvPicPr>
-          <p:nvPr>
-            <p:ph idx="1"/>
-          </p:nvPr>
+          <p:nvPr/>
         </p:nvPicPr>
         <p:blipFill>
           <a:blip r:embed="rId2"/>
@@ -4085,8 +4100,8 @@
         </p:blipFill>
         <p:spPr>
           <a:xfrm>
-            <a:off x="1097280" y="1737360"/>
-            <a:ext cx="10270120" cy="3036813"/>
+            <a:off x="1097280" y="1845734"/>
+            <a:ext cx="10104302" cy="3274907"/>
           </a:xfrm>
           <a:prstGeom prst="rect">
             <a:avLst/>
@@ -4168,21 +4183,49 @@
           </a:p>
         </p:txBody>
       </p:sp>
+      <p:sp>
+        <p:nvSpPr>
+          <p:cNvPr id="6" name="內容版面配置區 5">
+            <a:extLst>
+              <a:ext uri="{FF2B5EF4-FFF2-40B4-BE49-F238E27FC236}">
+                <a16:creationId xmlns:a16="http://schemas.microsoft.com/office/drawing/2014/main" id="{DE9F2E9E-FF8F-4B56-9DF7-6E41A63685BA}"/>
+              </a:ext>
+            </a:extLst>
+          </p:cNvPr>
+          <p:cNvSpPr>
+            <a:spLocks noGrp="1"/>
+          </p:cNvSpPr>
+          <p:nvPr>
+            <p:ph idx="1"/>
+          </p:nvPr>
+        </p:nvSpPr>
+        <p:spPr>
+          <a:xfrm>
+            <a:off x="1097280" y="2977662"/>
+            <a:ext cx="10058400" cy="2891432"/>
+          </a:xfrm>
+        </p:spPr>
+        <p:txBody>
+          <a:bodyPr/>
+          <a:lstStyle/>
+          <a:p>
+            <a:endParaRPr lang="zh-TW" altLang="en-US" dirty="0"/>
+          </a:p>
+        </p:txBody>
+      </p:sp>
       <p:pic>
         <p:nvPicPr>
-          <p:cNvPr id="4" name="內容版面配置區 3">
+          <p:cNvPr id="7" name="圖片 6">
             <a:extLst>
               <a:ext uri="{FF2B5EF4-FFF2-40B4-BE49-F238E27FC236}">
-                <a16:creationId xmlns:a16="http://schemas.microsoft.com/office/drawing/2014/main" id="{EE1E940D-B8C6-4C8F-96DF-0AE2559A58C5}"/>
+                <a16:creationId xmlns:a16="http://schemas.microsoft.com/office/drawing/2014/main" id="{91EA10FB-C455-4A46-B018-619E422AC750}"/>
               </a:ext>
             </a:extLst>
           </p:cNvPr>
           <p:cNvPicPr>
-            <a:picLocks noGrp="1" noChangeAspect="1"/>
+            <a:picLocks noChangeAspect="1"/>
           </p:cNvPicPr>
-          <p:nvPr>
-            <p:ph idx="1"/>
-          </p:nvPr>
+          <p:nvPr/>
         </p:nvPicPr>
         <p:blipFill>
           <a:blip r:embed="rId2"/>
@@ -4192,8 +4235,8 @@
         </p:blipFill>
         <p:spPr>
           <a:xfrm>
-            <a:off x="1097280" y="1810049"/>
-            <a:ext cx="4845383" cy="4022725"/>
+            <a:off x="1097280" y="1862493"/>
+            <a:ext cx="5133731" cy="4198885"/>
           </a:xfrm>
           <a:prstGeom prst="rect">
             <a:avLst/>
@@ -4202,10 +4245,10 @@
       </p:pic>
       <p:pic>
         <p:nvPicPr>
-          <p:cNvPr id="5" name="圖片 4">
+          <p:cNvPr id="8" name="圖片 7">
             <a:extLst>
               <a:ext uri="{FF2B5EF4-FFF2-40B4-BE49-F238E27FC236}">
-                <a16:creationId xmlns:a16="http://schemas.microsoft.com/office/drawing/2014/main" id="{DDBEEE05-73A0-49A8-8D52-BB6BD058ED2D}"/>
+                <a16:creationId xmlns:a16="http://schemas.microsoft.com/office/drawing/2014/main" id="{86BF0476-F688-46B7-AF67-780BF38B0C60}"/>
               </a:ext>
             </a:extLst>
           </p:cNvPr>
@@ -4222,8 +4265,8 @@
         </p:blipFill>
         <p:spPr>
           <a:xfrm>
-            <a:off x="6096000" y="1807785"/>
-            <a:ext cx="5304016" cy="4022726"/>
+            <a:off x="6289902" y="1862493"/>
+            <a:ext cx="5021402" cy="4198885"/>
           </a:xfrm>
           <a:prstGeom prst="rect">
             <a:avLst/>
@@ -4291,15 +4334,23 @@
             </a:r>
             <a:r>
               <a:rPr lang="en-US" altLang="zh-TW" dirty="0"/>
-              <a:t>2015</a:t>
+              <a:t>2019</a:t>
             </a:r>
             <a:r>
               <a:rPr lang="zh-TW" altLang="en-US" dirty="0"/>
-              <a:t>年的資料</a:t>
+              <a:t>年</a:t>
             </a:r>
             <a:r>
               <a:rPr lang="en-US" altLang="zh-TW" dirty="0"/>
-              <a:t>(72899</a:t>
+              <a:t>1</a:t>
+            </a:r>
+            <a:r>
+              <a:rPr lang="zh-TW" altLang="en-US" dirty="0"/>
+              <a:t>月的資料</a:t>
+            </a:r>
+            <a:r>
+              <a:rPr lang="en-US" altLang="zh-TW" dirty="0"/>
+              <a:t>(21</a:t>
             </a:r>
             <a:r>
               <a:rPr lang="zh-TW" altLang="en-US" dirty="0"/>
@@ -4323,10 +4374,10 @@
       </p:sp>
       <p:pic>
         <p:nvPicPr>
-          <p:cNvPr id="3" name="圖片 2">
+          <p:cNvPr id="4" name="圖片 3">
             <a:extLst>
               <a:ext uri="{FF2B5EF4-FFF2-40B4-BE49-F238E27FC236}">
-                <a16:creationId xmlns:a16="http://schemas.microsoft.com/office/drawing/2014/main" id="{05E8646C-5233-4E4D-816A-E28BE7CDFE8E}"/>
+                <a16:creationId xmlns:a16="http://schemas.microsoft.com/office/drawing/2014/main" id="{ED2357EA-9C64-4F6F-A5F1-3316252F187A}"/>
               </a:ext>
             </a:extLst>
           </p:cNvPr>
@@ -4343,8 +4394,8 @@
         </p:blipFill>
         <p:spPr>
           <a:xfrm>
-            <a:off x="1097279" y="1781682"/>
-            <a:ext cx="8834372" cy="2111308"/>
+            <a:off x="1087751" y="1956422"/>
+            <a:ext cx="7953375" cy="1924050"/>
           </a:xfrm>
           <a:prstGeom prst="rect">
             <a:avLst/>
@@ -4353,19 +4404,17 @@
       </p:pic>
       <p:pic>
         <p:nvPicPr>
-          <p:cNvPr id="12" name="內容版面配置區 11">
+          <p:cNvPr id="7" name="圖片 6">
             <a:extLst>
               <a:ext uri="{FF2B5EF4-FFF2-40B4-BE49-F238E27FC236}">
-                <a16:creationId xmlns:a16="http://schemas.microsoft.com/office/drawing/2014/main" id="{420A6121-51CB-498F-959F-0B64FCBB960E}"/>
+                <a16:creationId xmlns:a16="http://schemas.microsoft.com/office/drawing/2014/main" id="{2B1BE74C-A5EF-4F7A-9A3B-8EF3AB6D9F06}"/>
               </a:ext>
             </a:extLst>
           </p:cNvPr>
           <p:cNvPicPr>
-            <a:picLocks noGrp="1" noChangeAspect="1"/>
+            <a:picLocks noChangeAspect="1"/>
           </p:cNvPicPr>
-          <p:nvPr>
-            <p:ph idx="1"/>
-          </p:nvPr>
+          <p:nvPr/>
         </p:nvPicPr>
         <p:blipFill>
           <a:blip r:embed="rId3"/>
@@ -4375,8 +4424,8 @@
         </p:blipFill>
         <p:spPr>
           <a:xfrm>
-            <a:off x="1097277" y="4113821"/>
-            <a:ext cx="7962900" cy="276225"/>
+            <a:off x="1087751" y="4113211"/>
+            <a:ext cx="8153400" cy="323850"/>
           </a:xfrm>
           <a:prstGeom prst="rect">
             <a:avLst/>
@@ -4385,10 +4434,10 @@
       </p:pic>
       <p:pic>
         <p:nvPicPr>
-          <p:cNvPr id="11" name="圖片 10">
+          <p:cNvPr id="8" name="圖片 7">
             <a:extLst>
               <a:ext uri="{FF2B5EF4-FFF2-40B4-BE49-F238E27FC236}">
-                <a16:creationId xmlns:a16="http://schemas.microsoft.com/office/drawing/2014/main" id="{69F54A3F-E6A7-40D4-A5A0-8781FB34DC97}"/>
+                <a16:creationId xmlns:a16="http://schemas.microsoft.com/office/drawing/2014/main" id="{BA833455-F628-4E48-9FC6-F29F3C6EB0CE}"/>
               </a:ext>
             </a:extLst>
           </p:cNvPr>
@@ -4405,8 +4454,8 @@
         </p:blipFill>
         <p:spPr>
           <a:xfrm>
-            <a:off x="1097277" y="4375252"/>
-            <a:ext cx="7953375" cy="285750"/>
+            <a:off x="1087751" y="4697410"/>
+            <a:ext cx="8153400" cy="276225"/>
           </a:xfrm>
           <a:prstGeom prst="rect">
             <a:avLst/>
@@ -4415,10 +4464,10 @@
       </p:pic>
       <p:pic>
         <p:nvPicPr>
-          <p:cNvPr id="13" name="圖片 12">
+          <p:cNvPr id="9" name="圖片 8">
             <a:extLst>
               <a:ext uri="{FF2B5EF4-FFF2-40B4-BE49-F238E27FC236}">
-                <a16:creationId xmlns:a16="http://schemas.microsoft.com/office/drawing/2014/main" id="{4B4416F2-94D9-48AB-9E5B-514BA5DEB196}"/>
+                <a16:creationId xmlns:a16="http://schemas.microsoft.com/office/drawing/2014/main" id="{3D082EAE-C5E3-46A2-A71D-94E2953C977A}"/>
               </a:ext>
             </a:extLst>
           </p:cNvPr>
@@ -4435,8 +4484,38 @@
         </p:blipFill>
         <p:spPr>
           <a:xfrm>
-            <a:off x="1087752" y="4650970"/>
-            <a:ext cx="7953375" cy="542925"/>
+            <a:off x="1078226" y="4437061"/>
+            <a:ext cx="8162925" cy="295275"/>
+          </a:xfrm>
+          <a:prstGeom prst="rect">
+            <a:avLst/>
+          </a:prstGeom>
+        </p:spPr>
+      </p:pic>
+      <p:pic>
+        <p:nvPicPr>
+          <p:cNvPr id="10" name="圖片 9">
+            <a:extLst>
+              <a:ext uri="{FF2B5EF4-FFF2-40B4-BE49-F238E27FC236}">
+                <a16:creationId xmlns:a16="http://schemas.microsoft.com/office/drawing/2014/main" id="{9C0BC3D2-24CC-4F78-AA51-10F856BFF208}"/>
+              </a:ext>
+            </a:extLst>
+          </p:cNvPr>
+          <p:cNvPicPr>
+            <a:picLocks noChangeAspect="1"/>
+          </p:cNvPicPr>
+          <p:nvPr/>
+        </p:nvPicPr>
+        <p:blipFill>
+          <a:blip r:embed="rId6"/>
+          <a:stretch>
+            <a:fillRect/>
+          </a:stretch>
+        </p:blipFill>
+        <p:spPr>
+          <a:xfrm>
+            <a:off x="1087750" y="4984125"/>
+            <a:ext cx="8143875" cy="304800"/>
           </a:xfrm>
           <a:prstGeom prst="rect">
             <a:avLst/>
@@ -4528,19 +4607,17 @@
       </p:sp>
       <p:pic>
         <p:nvPicPr>
-          <p:cNvPr id="4" name="內容版面配置區 3">
+          <p:cNvPr id="7" name="圖片 6">
             <a:extLst>
               <a:ext uri="{FF2B5EF4-FFF2-40B4-BE49-F238E27FC236}">
-                <a16:creationId xmlns:a16="http://schemas.microsoft.com/office/drawing/2014/main" id="{284A2557-A542-4093-A903-5487C46D6C71}"/>
+                <a16:creationId xmlns:a16="http://schemas.microsoft.com/office/drawing/2014/main" id="{67DDB353-F787-4E0C-8DDB-C8FBAF966FD2}"/>
               </a:ext>
             </a:extLst>
           </p:cNvPr>
           <p:cNvPicPr>
-            <a:picLocks noGrp="1" noChangeAspect="1"/>
+            <a:picLocks noChangeAspect="1"/>
           </p:cNvPicPr>
-          <p:nvPr>
-            <p:ph idx="1"/>
-          </p:nvPr>
+          <p:nvPr/>
         </p:nvPicPr>
         <p:blipFill>
           <a:blip r:embed="rId2"/>
@@ -4550,8 +4627,8 @@
         </p:blipFill>
         <p:spPr>
           <a:xfrm>
-            <a:off x="1125855" y="1871853"/>
-            <a:ext cx="9113614" cy="931863"/>
+            <a:off x="1078230" y="1844327"/>
+            <a:ext cx="7981950" cy="993454"/>
           </a:xfrm>
           <a:prstGeom prst="rect">
             <a:avLst/>
@@ -4560,10 +4637,10 @@
       </p:pic>
       <p:pic>
         <p:nvPicPr>
-          <p:cNvPr id="9" name="內容版面配置區 11">
+          <p:cNvPr id="8" name="圖片 7">
             <a:extLst>
               <a:ext uri="{FF2B5EF4-FFF2-40B4-BE49-F238E27FC236}">
-                <a16:creationId xmlns:a16="http://schemas.microsoft.com/office/drawing/2014/main" id="{77E85EC7-0443-4CB5-83E2-B5935AADF904}"/>
+                <a16:creationId xmlns:a16="http://schemas.microsoft.com/office/drawing/2014/main" id="{E22E7F25-E7F4-4779-88FF-4C5EB7BE3FC1}"/>
               </a:ext>
             </a:extLst>
           </p:cNvPr>
@@ -4580,8 +4657,8 @@
         </p:blipFill>
         <p:spPr>
           <a:xfrm>
-            <a:off x="1097280" y="2837781"/>
-            <a:ext cx="7962900" cy="591219"/>
+            <a:off x="1097280" y="3124200"/>
+            <a:ext cx="8134350" cy="455246"/>
           </a:xfrm>
           <a:prstGeom prst="rect">
             <a:avLst/>
@@ -4590,10 +4667,10 @@
       </p:pic>
       <p:pic>
         <p:nvPicPr>
-          <p:cNvPr id="10" name="圖片 9">
+          <p:cNvPr id="12" name="圖片 11">
             <a:extLst>
               <a:ext uri="{FF2B5EF4-FFF2-40B4-BE49-F238E27FC236}">
-                <a16:creationId xmlns:a16="http://schemas.microsoft.com/office/drawing/2014/main" id="{28D2EF66-212D-488C-897B-BBE98A519D30}"/>
+                <a16:creationId xmlns:a16="http://schemas.microsoft.com/office/drawing/2014/main" id="{9E820019-9503-41D5-8472-D291EAE9B473}"/>
               </a:ext>
             </a:extLst>
           </p:cNvPr>
@@ -4610,68 +4687,8 @@
         </p:blipFill>
         <p:spPr>
           <a:xfrm>
-            <a:off x="1097280" y="4219131"/>
-            <a:ext cx="7953375" cy="600744"/>
-          </a:xfrm>
-          <a:prstGeom prst="rect">
-            <a:avLst/>
-          </a:prstGeom>
-        </p:spPr>
-      </p:pic>
-      <p:pic>
-        <p:nvPicPr>
-          <p:cNvPr id="3" name="圖片 2">
-            <a:extLst>
-              <a:ext uri="{FF2B5EF4-FFF2-40B4-BE49-F238E27FC236}">
-                <a16:creationId xmlns:a16="http://schemas.microsoft.com/office/drawing/2014/main" id="{3ED0786F-F9C7-4595-8924-BD3000DC6357}"/>
-              </a:ext>
-            </a:extLst>
-          </p:cNvPr>
-          <p:cNvPicPr>
-            <a:picLocks noChangeAspect="1"/>
-          </p:cNvPicPr>
-          <p:nvPr/>
-        </p:nvPicPr>
-        <p:blipFill>
-          <a:blip r:embed="rId5"/>
-          <a:stretch>
-            <a:fillRect/>
-          </a:stretch>
-        </p:blipFill>
-        <p:spPr>
-          <a:xfrm>
-            <a:off x="1078230" y="4955101"/>
-            <a:ext cx="7972425" cy="600744"/>
-          </a:xfrm>
-          <a:prstGeom prst="rect">
-            <a:avLst/>
-          </a:prstGeom>
-        </p:spPr>
-      </p:pic>
-      <p:pic>
-        <p:nvPicPr>
-          <p:cNvPr id="11" name="圖片 10">
-            <a:extLst>
-              <a:ext uri="{FF2B5EF4-FFF2-40B4-BE49-F238E27FC236}">
-                <a16:creationId xmlns:a16="http://schemas.microsoft.com/office/drawing/2014/main" id="{1E337740-A74B-4FB2-A9AC-4B1E43214E15}"/>
-              </a:ext>
-            </a:extLst>
-          </p:cNvPr>
-          <p:cNvPicPr>
-            <a:picLocks noChangeAspect="1"/>
-          </p:cNvPicPr>
-          <p:nvPr/>
-        </p:nvPicPr>
-        <p:blipFill>
-          <a:blip r:embed="rId6"/>
-          <a:stretch>
-            <a:fillRect/>
-          </a:stretch>
-        </p:blipFill>
-        <p:spPr>
-          <a:xfrm>
-            <a:off x="1087755" y="3483161"/>
-            <a:ext cx="7972425" cy="600744"/>
+            <a:off x="1078230" y="3610707"/>
+            <a:ext cx="8143875" cy="455246"/>
           </a:xfrm>
           <a:prstGeom prst="rect">
             <a:avLst/>
@@ -4775,10 +4792,10 @@
       </p:sp>
       <p:pic>
         <p:nvPicPr>
-          <p:cNvPr id="3" name="圖片 2">
+          <p:cNvPr id="4" name="圖片 3">
             <a:extLst>
               <a:ext uri="{FF2B5EF4-FFF2-40B4-BE49-F238E27FC236}">
-                <a16:creationId xmlns:a16="http://schemas.microsoft.com/office/drawing/2014/main" id="{C522ADAF-2A74-42FE-8453-229709CAC0E1}"/>
+                <a16:creationId xmlns:a16="http://schemas.microsoft.com/office/drawing/2014/main" id="{746175F2-76F4-4710-88D3-D1859C631E14}"/>
               </a:ext>
             </a:extLst>
           </p:cNvPr>
@@ -4795,8 +4812,8 @@
         </p:blipFill>
         <p:spPr>
           <a:xfrm>
-            <a:off x="1097280" y="1737360"/>
-            <a:ext cx="11016566" cy="2991080"/>
+            <a:off x="1097280" y="1845733"/>
+            <a:ext cx="11296650" cy="3038881"/>
           </a:xfrm>
           <a:prstGeom prst="rect">
             <a:avLst/>
@@ -4905,6 +4922,52 @@
             </a:r>
           </a:p>
           <a:p>
+            <a:pPr marL="0" indent="0">
+              <a:buNone/>
+            </a:pPr>
+            <a:r>
+              <a:rPr lang="en-US" altLang="zh-TW" dirty="0"/>
+              <a:t>R square</a:t>
+            </a:r>
+            <a:r>
+              <a:rPr lang="zh-TW" altLang="en-US" dirty="0"/>
+              <a:t>的定義代表迴歸模式之變異值與所有</a:t>
+            </a:r>
+            <a:r>
+              <a:rPr lang="en-US" altLang="zh-TW" dirty="0" err="1"/>
+              <a:t>yi</a:t>
+            </a:r>
+            <a:r>
+              <a:rPr lang="zh-TW" altLang="en-US" dirty="0"/>
+              <a:t>變異量之比例，</a:t>
+            </a:r>
+            <a:r>
+              <a:rPr lang="en-US" altLang="zh-TW" dirty="0"/>
+              <a:t>R square</a:t>
+            </a:r>
+            <a:r>
+              <a:rPr lang="zh-TW" altLang="en-US" dirty="0"/>
+              <a:t>愈大，代表此迴歸模式能夠解釋全體</a:t>
+            </a:r>
+            <a:r>
+              <a:rPr lang="en-US" altLang="zh-TW" dirty="0" err="1"/>
+              <a:t>yi</a:t>
+            </a:r>
+            <a:r>
+              <a:rPr lang="zh-TW" altLang="en-US" dirty="0"/>
+              <a:t>變異量的比例愈大。因此愈接近</a:t>
+            </a:r>
+            <a:r>
+              <a:rPr lang="en-US" altLang="zh-TW" dirty="0"/>
+              <a:t>1.0</a:t>
+            </a:r>
+            <a:r>
+              <a:rPr lang="zh-TW" altLang="en-US" dirty="0"/>
+              <a:t>，代表此模式愈有解釋能力。</a:t>
+            </a:r>
+            <a:endParaRPr lang="en-US" altLang="zh-TW" dirty="0"/>
+          </a:p>
+          <a:p>
             <a:pPr>
               <a:buFont typeface="Wingdings" panose="05000000000000000000" pitchFamily="2" charset="2"/>
               <a:buChar char="l"/>
@@ -4936,10 +4999,10 @@
       </p:sp>
       <p:pic>
         <p:nvPicPr>
-          <p:cNvPr id="4" name="圖片 3">
+          <p:cNvPr id="6" name="圖片 5">
             <a:extLst>
               <a:ext uri="{FF2B5EF4-FFF2-40B4-BE49-F238E27FC236}">
-                <a16:creationId xmlns:a16="http://schemas.microsoft.com/office/drawing/2014/main" id="{26D20538-D5AC-4D65-B872-CA45E925E6A9}"/>
+                <a16:creationId xmlns:a16="http://schemas.microsoft.com/office/drawing/2014/main" id="{53BD8F77-36CC-4F45-9FE7-EBE3BBC67103}"/>
               </a:ext>
             </a:extLst>
           </p:cNvPr>
@@ -4956,8 +5019,8 @@
         </p:blipFill>
         <p:spPr>
           <a:xfrm>
-            <a:off x="1097280" y="2248041"/>
-            <a:ext cx="9078815" cy="1644949"/>
+            <a:off x="1066800" y="2910475"/>
+            <a:ext cx="9585569" cy="1773604"/>
           </a:xfrm>
           <a:prstGeom prst="rect">
             <a:avLst/>
@@ -4966,10 +5029,10 @@
       </p:pic>
       <p:pic>
         <p:nvPicPr>
-          <p:cNvPr id="5" name="圖片 4">
+          <p:cNvPr id="7" name="圖片 6">
             <a:extLst>
               <a:ext uri="{FF2B5EF4-FFF2-40B4-BE49-F238E27FC236}">
-                <a16:creationId xmlns:a16="http://schemas.microsoft.com/office/drawing/2014/main" id="{068F15DF-65D5-4D0A-B88C-BB0C6D4C826C}"/>
+                <a16:creationId xmlns:a16="http://schemas.microsoft.com/office/drawing/2014/main" id="{456C2EFB-1003-432B-BDFF-4C17DCAFF861}"/>
               </a:ext>
             </a:extLst>
           </p:cNvPr>
@@ -4986,8 +5049,8 @@
         </p:blipFill>
         <p:spPr>
           <a:xfrm>
-            <a:off x="1069817" y="4291343"/>
-            <a:ext cx="7929327" cy="1158843"/>
+            <a:off x="1066800" y="4755893"/>
+            <a:ext cx="5810738" cy="1260878"/>
           </a:xfrm>
           <a:prstGeom prst="rect">
             <a:avLst/>
@@ -5117,10 +5180,10 @@
       </p:sp>
       <p:pic>
         <p:nvPicPr>
-          <p:cNvPr id="5" name="圖片 4">
+          <p:cNvPr id="4" name="圖片 3">
             <a:extLst>
               <a:ext uri="{FF2B5EF4-FFF2-40B4-BE49-F238E27FC236}">
-                <a16:creationId xmlns:a16="http://schemas.microsoft.com/office/drawing/2014/main" id="{87CE8FC1-6572-41D5-95CA-859EA6BDBC02}"/>
+                <a16:creationId xmlns:a16="http://schemas.microsoft.com/office/drawing/2014/main" id="{2AF94B6F-F03E-4C7D-BB14-2A637C9257D1}"/>
               </a:ext>
             </a:extLst>
           </p:cNvPr>
@@ -5137,8 +5200,8 @@
         </p:blipFill>
         <p:spPr>
           <a:xfrm>
-            <a:off x="1036320" y="2446063"/>
-            <a:ext cx="5093860" cy="3531405"/>
+            <a:off x="1036320" y="2224942"/>
+            <a:ext cx="6646203" cy="3949212"/>
           </a:xfrm>
           <a:prstGeom prst="rect">
             <a:avLst/>
